--- a/230502_Poster_Schraubensortierer_de.pptx
+++ b/230502_Poster_Schraubensortierer_de.pptx
@@ -11155,462 +11155,6 @@
               </a:rPr>
               <a:t>.</a:t>
             </a:r>
-          </a:p>
-        </p:txBody>
-      </p:sp>
-      <p:sp>
-        <p:nvSpPr>
-          <p:cNvPr id="16" name="Rectangle 3">
-            <a:extLst>
-              <a:ext uri="{FF2B5EF4-FFF2-40B4-BE49-F238E27FC236}">
-                <a16:creationId xmlns:a16="http://schemas.microsoft.com/office/drawing/2014/main" id="{A3860E58-43D6-207B-2EC3-B694CAF12E17}"/>
-              </a:ext>
-            </a:extLst>
-          </p:cNvPr>
-          <p:cNvSpPr>
-            <a:spLocks noChangeArrowheads="1"/>
-          </p:cNvSpPr>
-          <p:nvPr/>
-        </p:nvSpPr>
-        <p:spPr bwMode="auto">
-          <a:xfrm>
-            <a:off x="0" y="0"/>
-            <a:ext cx="30275213" cy="457200"/>
-          </a:xfrm>
-          <a:prstGeom prst="rect">
-            <a:avLst/>
-          </a:prstGeom>
-          <a:solidFill>
-            <a:srgbClr val="EBEBEB"/>
-          </a:solidFill>
-          <a:ln>
-            <a:noFill/>
-          </a:ln>
-          <a:effectLst/>
-          <a:extLst>
-            <a:ext uri="{91240B29-F687-4F45-9708-019B960494DF}">
-              <a14:hiddenLine xmlns:a14="http://schemas.microsoft.com/office/drawing/2010/main" w="9525">
-                <a:solidFill>
-                  <a:schemeClr val="tx1"/>
-                </a:solidFill>
-                <a:miter lim="800000"/>
-                <a:headEnd/>
-                <a:tailEnd/>
-              </a14:hiddenLine>
-            </a:ext>
-            <a:ext uri="{AF507438-7753-43E0-B8FC-AC1667EBCBE1}">
-              <a14:hiddenEffects xmlns:a14="http://schemas.microsoft.com/office/drawing/2010/main">
-                <a:effectLst>
-                  <a:outerShdw dist="35921" dir="2700000" algn="ctr" rotWithShape="0">
-                    <a:schemeClr val="bg2"/>
-                  </a:outerShdw>
-                </a:effectLst>
-              </a14:hiddenEffects>
-            </a:ext>
-          </a:extLst>
-        </p:spPr>
-        <p:txBody>
-          <a:bodyPr vert="horz" wrap="none" lIns="0" tIns="0" rIns="0" bIns="593538" numCol="1" anchor="ctr" anchorCtr="0" compatLnSpc="1">
-            <a:prstTxWarp prst="textNoShape">
-              <a:avLst/>
-            </a:prstTxWarp>
-            <a:spAutoFit/>
-          </a:bodyPr>
-          <a:lstStyle/>
-          <a:p>
-            <a:pPr marL="0" marR="0" lvl="0" indent="0" algn="l" defTabSz="914400" rtl="0" eaLnBrk="0" fontAlgn="base" latinLnBrk="0" hangingPunct="0">
-              <a:lnSpc>
-                <a:spcPct val="100000"/>
-              </a:lnSpc>
-              <a:spcBef>
-                <a:spcPct val="0"/>
-              </a:spcBef>
-              <a:spcAft>
-                <a:spcPct val="0"/>
-              </a:spcAft>
-              <a:buClrTx/>
-              <a:buSzTx/>
-              <a:buFontTx/>
-              <a:buNone/>
-              <a:tabLst/>
-            </a:pPr>
-            <a:r>
-              <a:rPr kumimoji="0" lang="de-DE" altLang="de-DE" sz="1000" b="0" i="0" u="none" strike="noStrike" cap="none" normalizeH="0" baseline="0">
-                <a:ln>
-                  <a:noFill/>
-                </a:ln>
-                <a:solidFill>
-                  <a:srgbClr val="505B62"/>
-                </a:solidFill>
-                <a:effectLst/>
-                <a:latin typeface="Courier New" panose="02070309020205020404" pitchFamily="49" charset="0"/>
-              </a:rPr>
-              <a:t>Soft Actor-Critic: Off-Policy Maximum Entropy Deep Reinforcement Learning</a:t>
-            </a:r>
-            <a:r>
-              <a:rPr kumimoji="0" lang="de-DE" altLang="de-DE" sz="1400" b="0" i="0" u="none" strike="noStrike" cap="none" normalizeH="0" baseline="0">
-                <a:ln>
-                  <a:noFill/>
-                </a:ln>
-                <a:solidFill>
-                  <a:schemeClr val="tx1"/>
-                </a:solidFill>
-                <a:effectLst/>
-              </a:rPr>
-              <a:t> </a:t>
-            </a:r>
-            <a:endParaRPr kumimoji="0" lang="de-DE" altLang="de-DE" sz="1800" b="0" i="0" u="none" strike="noStrike" cap="none" normalizeH="0" baseline="0">
-              <a:ln>
-                <a:noFill/>
-              </a:ln>
-              <a:solidFill>
-                <a:schemeClr val="tx1"/>
-              </a:solidFill>
-              <a:effectLst/>
-              <a:latin typeface="Arial" panose="020B0604020202020204" pitchFamily="34" charset="0"/>
-            </a:endParaRPr>
-          </a:p>
-        </p:txBody>
-      </p:sp>
-      <p:sp>
-        <p:nvSpPr>
-          <p:cNvPr id="17" name="Rectangle 4">
-            <a:extLst>
-              <a:ext uri="{FF2B5EF4-FFF2-40B4-BE49-F238E27FC236}">
-                <a16:creationId xmlns:a16="http://schemas.microsoft.com/office/drawing/2014/main" id="{ABD094E1-35FF-4BEE-7406-B107B5C9A82C}"/>
-              </a:ext>
-            </a:extLst>
-          </p:cNvPr>
-          <p:cNvSpPr>
-            <a:spLocks noChangeArrowheads="1"/>
-          </p:cNvSpPr>
-          <p:nvPr/>
-        </p:nvSpPr>
-        <p:spPr bwMode="auto">
-          <a:xfrm>
-            <a:off x="152400" y="152400"/>
-            <a:ext cx="30275213" cy="457200"/>
-          </a:xfrm>
-          <a:prstGeom prst="rect">
-            <a:avLst/>
-          </a:prstGeom>
-          <a:solidFill>
-            <a:srgbClr val="EBEBEB"/>
-          </a:solidFill>
-          <a:ln>
-            <a:noFill/>
-          </a:ln>
-          <a:effectLst/>
-          <a:extLst>
-            <a:ext uri="{91240B29-F687-4F45-9708-019B960494DF}">
-              <a14:hiddenLine xmlns:a14="http://schemas.microsoft.com/office/drawing/2010/main" w="9525">
-                <a:solidFill>
-                  <a:schemeClr val="tx1"/>
-                </a:solidFill>
-                <a:miter lim="800000"/>
-                <a:headEnd/>
-                <a:tailEnd/>
-              </a14:hiddenLine>
-            </a:ext>
-            <a:ext uri="{AF507438-7753-43E0-B8FC-AC1667EBCBE1}">
-              <a14:hiddenEffects xmlns:a14="http://schemas.microsoft.com/office/drawing/2010/main">
-                <a:effectLst>
-                  <a:outerShdw dist="35921" dir="2700000" algn="ctr" rotWithShape="0">
-                    <a:schemeClr val="bg2"/>
-                  </a:outerShdw>
-                </a:effectLst>
-              </a14:hiddenEffects>
-            </a:ext>
-          </a:extLst>
-        </p:spPr>
-        <p:txBody>
-          <a:bodyPr vert="horz" wrap="none" lIns="0" tIns="0" rIns="0" bIns="593538" numCol="1" anchor="ctr" anchorCtr="0" compatLnSpc="1">
-            <a:prstTxWarp prst="textNoShape">
-              <a:avLst/>
-            </a:prstTxWarp>
-            <a:spAutoFit/>
-          </a:bodyPr>
-          <a:lstStyle/>
-          <a:p>
-            <a:pPr marL="0" marR="0" lvl="0" indent="0" algn="l" defTabSz="914400" rtl="0" eaLnBrk="0" fontAlgn="base" latinLnBrk="0" hangingPunct="0">
-              <a:lnSpc>
-                <a:spcPct val="100000"/>
-              </a:lnSpc>
-              <a:spcBef>
-                <a:spcPct val="0"/>
-              </a:spcBef>
-              <a:spcAft>
-                <a:spcPct val="0"/>
-              </a:spcAft>
-              <a:buClrTx/>
-              <a:buSzTx/>
-              <a:buFontTx/>
-              <a:buNone/>
-              <a:tabLst/>
-            </a:pPr>
-            <a:r>
-              <a:rPr kumimoji="0" lang="de-DE" altLang="de-DE" sz="1000" b="0" i="0" u="none" strike="noStrike" cap="none" normalizeH="0" baseline="0">
-                <a:ln>
-                  <a:noFill/>
-                </a:ln>
-                <a:solidFill>
-                  <a:srgbClr val="505B62"/>
-                </a:solidFill>
-                <a:effectLst/>
-                <a:latin typeface="Courier New" panose="02070309020205020404" pitchFamily="49" charset="0"/>
-              </a:rPr>
-              <a:t>Soft Actor-Critic: Off-Policy Maximum Entropy Deep Reinforcement Learning</a:t>
-            </a:r>
-            <a:r>
-              <a:rPr kumimoji="0" lang="de-DE" altLang="de-DE" sz="1400" b="0" i="0" u="none" strike="noStrike" cap="none" normalizeH="0" baseline="0">
-                <a:ln>
-                  <a:noFill/>
-                </a:ln>
-                <a:solidFill>
-                  <a:schemeClr val="tx1"/>
-                </a:solidFill>
-                <a:effectLst/>
-              </a:rPr>
-              <a:t> </a:t>
-            </a:r>
-            <a:endParaRPr kumimoji="0" lang="de-DE" altLang="de-DE" sz="1800" b="0" i="0" u="none" strike="noStrike" cap="none" normalizeH="0" baseline="0">
-              <a:ln>
-                <a:noFill/>
-              </a:ln>
-              <a:solidFill>
-                <a:schemeClr val="tx1"/>
-              </a:solidFill>
-              <a:effectLst/>
-              <a:latin typeface="Arial" panose="020B0604020202020204" pitchFamily="34" charset="0"/>
-            </a:endParaRPr>
-          </a:p>
-        </p:txBody>
-      </p:sp>
-      <p:sp>
-        <p:nvSpPr>
-          <p:cNvPr id="18" name="Rectangle 5">
-            <a:extLst>
-              <a:ext uri="{FF2B5EF4-FFF2-40B4-BE49-F238E27FC236}">
-                <a16:creationId xmlns:a16="http://schemas.microsoft.com/office/drawing/2014/main" id="{BEE07FD0-6445-B223-FE1A-4D7D95C6142B}"/>
-              </a:ext>
-            </a:extLst>
-          </p:cNvPr>
-          <p:cNvSpPr>
-            <a:spLocks noChangeArrowheads="1"/>
-          </p:cNvSpPr>
-          <p:nvPr/>
-        </p:nvSpPr>
-        <p:spPr bwMode="auto">
-          <a:xfrm>
-            <a:off x="304800" y="304800"/>
-            <a:ext cx="30275213" cy="457200"/>
-          </a:xfrm>
-          <a:prstGeom prst="rect">
-            <a:avLst/>
-          </a:prstGeom>
-          <a:solidFill>
-            <a:srgbClr val="EBEBEB"/>
-          </a:solidFill>
-          <a:ln>
-            <a:noFill/>
-          </a:ln>
-          <a:effectLst/>
-          <a:extLst>
-            <a:ext uri="{91240B29-F687-4F45-9708-019B960494DF}">
-              <a14:hiddenLine xmlns:a14="http://schemas.microsoft.com/office/drawing/2010/main" w="9525">
-                <a:solidFill>
-                  <a:schemeClr val="tx1"/>
-                </a:solidFill>
-                <a:miter lim="800000"/>
-                <a:headEnd/>
-                <a:tailEnd/>
-              </a14:hiddenLine>
-            </a:ext>
-            <a:ext uri="{AF507438-7753-43E0-B8FC-AC1667EBCBE1}">
-              <a14:hiddenEffects xmlns:a14="http://schemas.microsoft.com/office/drawing/2010/main">
-                <a:effectLst>
-                  <a:outerShdw dist="35921" dir="2700000" algn="ctr" rotWithShape="0">
-                    <a:schemeClr val="bg2"/>
-                  </a:outerShdw>
-                </a:effectLst>
-              </a14:hiddenEffects>
-            </a:ext>
-          </a:extLst>
-        </p:spPr>
-        <p:txBody>
-          <a:bodyPr vert="horz" wrap="none" lIns="0" tIns="0" rIns="0" bIns="593538" numCol="1" anchor="ctr" anchorCtr="0" compatLnSpc="1">
-            <a:prstTxWarp prst="textNoShape">
-              <a:avLst/>
-            </a:prstTxWarp>
-            <a:spAutoFit/>
-          </a:bodyPr>
-          <a:lstStyle/>
-          <a:p>
-            <a:pPr marL="0" marR="0" lvl="0" indent="0" algn="l" defTabSz="914400" rtl="0" eaLnBrk="0" fontAlgn="base" latinLnBrk="0" hangingPunct="0">
-              <a:lnSpc>
-                <a:spcPct val="100000"/>
-              </a:lnSpc>
-              <a:spcBef>
-                <a:spcPct val="0"/>
-              </a:spcBef>
-              <a:spcAft>
-                <a:spcPct val="0"/>
-              </a:spcAft>
-              <a:buClrTx/>
-              <a:buSzTx/>
-              <a:buFontTx/>
-              <a:buNone/>
-              <a:tabLst/>
-            </a:pPr>
-            <a:r>
-              <a:rPr kumimoji="0" lang="de-DE" altLang="de-DE" sz="1000" b="0" i="0" u="none" strike="noStrike" cap="none" normalizeH="0" baseline="0">
-                <a:ln>
-                  <a:noFill/>
-                </a:ln>
-                <a:solidFill>
-                  <a:srgbClr val="505B62"/>
-                </a:solidFill>
-                <a:effectLst/>
-                <a:latin typeface="Courier New" panose="02070309020205020404" pitchFamily="49" charset="0"/>
-              </a:rPr>
-              <a:t>Soft Actor-Critic: Off-Policy Maximum Entropy Deep Reinforcement Learning</a:t>
-            </a:r>
-            <a:r>
-              <a:rPr kumimoji="0" lang="de-DE" altLang="de-DE" sz="1400" b="0" i="0" u="none" strike="noStrike" cap="none" normalizeH="0" baseline="0">
-                <a:ln>
-                  <a:noFill/>
-                </a:ln>
-                <a:solidFill>
-                  <a:schemeClr val="tx1"/>
-                </a:solidFill>
-                <a:effectLst/>
-              </a:rPr>
-              <a:t> </a:t>
-            </a:r>
-            <a:endParaRPr kumimoji="0" lang="de-DE" altLang="de-DE" sz="1800" b="0" i="0" u="none" strike="noStrike" cap="none" normalizeH="0" baseline="0">
-              <a:ln>
-                <a:noFill/>
-              </a:ln>
-              <a:solidFill>
-                <a:schemeClr val="tx1"/>
-              </a:solidFill>
-              <a:effectLst/>
-              <a:latin typeface="Arial" panose="020B0604020202020204" pitchFamily="34" charset="0"/>
-            </a:endParaRPr>
-          </a:p>
-        </p:txBody>
-      </p:sp>
-      <p:sp>
-        <p:nvSpPr>
-          <p:cNvPr id="19" name="Rectangle 6">
-            <a:extLst>
-              <a:ext uri="{FF2B5EF4-FFF2-40B4-BE49-F238E27FC236}">
-                <a16:creationId xmlns:a16="http://schemas.microsoft.com/office/drawing/2014/main" id="{1F4573F4-BA4D-F532-34B3-422CC7952A85}"/>
-              </a:ext>
-            </a:extLst>
-          </p:cNvPr>
-          <p:cNvSpPr>
-            <a:spLocks noChangeArrowheads="1"/>
-          </p:cNvSpPr>
-          <p:nvPr/>
-        </p:nvSpPr>
-        <p:spPr bwMode="auto">
-          <a:xfrm>
-            <a:off x="457200" y="457200"/>
-            <a:ext cx="30275213" cy="457200"/>
-          </a:xfrm>
-          <a:prstGeom prst="rect">
-            <a:avLst/>
-          </a:prstGeom>
-          <a:solidFill>
-            <a:srgbClr val="EBEBEB"/>
-          </a:solidFill>
-          <a:ln>
-            <a:noFill/>
-          </a:ln>
-          <a:effectLst/>
-          <a:extLst>
-            <a:ext uri="{91240B29-F687-4F45-9708-019B960494DF}">
-              <a14:hiddenLine xmlns:a14="http://schemas.microsoft.com/office/drawing/2010/main" w="9525">
-                <a:solidFill>
-                  <a:schemeClr val="tx1"/>
-                </a:solidFill>
-                <a:miter lim="800000"/>
-                <a:headEnd/>
-                <a:tailEnd/>
-              </a14:hiddenLine>
-            </a:ext>
-            <a:ext uri="{AF507438-7753-43E0-B8FC-AC1667EBCBE1}">
-              <a14:hiddenEffects xmlns:a14="http://schemas.microsoft.com/office/drawing/2010/main">
-                <a:effectLst>
-                  <a:outerShdw dist="35921" dir="2700000" algn="ctr" rotWithShape="0">
-                    <a:schemeClr val="bg2"/>
-                  </a:outerShdw>
-                </a:effectLst>
-              </a14:hiddenEffects>
-            </a:ext>
-          </a:extLst>
-        </p:spPr>
-        <p:txBody>
-          <a:bodyPr vert="horz" wrap="none" lIns="0" tIns="0" rIns="0" bIns="593538" numCol="1" anchor="ctr" anchorCtr="0" compatLnSpc="1">
-            <a:prstTxWarp prst="textNoShape">
-              <a:avLst/>
-            </a:prstTxWarp>
-            <a:spAutoFit/>
-          </a:bodyPr>
-          <a:lstStyle/>
-          <a:p>
-            <a:pPr marL="0" marR="0" lvl="0" indent="0" algn="l" defTabSz="914400" rtl="0" eaLnBrk="0" fontAlgn="base" latinLnBrk="0" hangingPunct="0">
-              <a:lnSpc>
-                <a:spcPct val="100000"/>
-              </a:lnSpc>
-              <a:spcBef>
-                <a:spcPct val="0"/>
-              </a:spcBef>
-              <a:spcAft>
-                <a:spcPct val="0"/>
-              </a:spcAft>
-              <a:buClrTx/>
-              <a:buSzTx/>
-              <a:buFontTx/>
-              <a:buNone/>
-              <a:tabLst/>
-            </a:pPr>
-            <a:r>
-              <a:rPr kumimoji="0" lang="de-DE" altLang="de-DE" sz="1000" b="0" i="0" u="none" strike="noStrike" cap="none" normalizeH="0" baseline="0">
-                <a:ln>
-                  <a:noFill/>
-                </a:ln>
-                <a:solidFill>
-                  <a:srgbClr val="505B62"/>
-                </a:solidFill>
-                <a:effectLst/>
-                <a:latin typeface="Courier New" panose="02070309020205020404" pitchFamily="49" charset="0"/>
-              </a:rPr>
-              <a:t>Soft Actor-Critic: Off-Policy Maximum Entropy Deep Reinforcement Learning</a:t>
-            </a:r>
-            <a:r>
-              <a:rPr kumimoji="0" lang="de-DE" altLang="de-DE" sz="1400" b="0" i="0" u="none" strike="noStrike" cap="none" normalizeH="0" baseline="0">
-                <a:ln>
-                  <a:noFill/>
-                </a:ln>
-                <a:solidFill>
-                  <a:schemeClr val="tx1"/>
-                </a:solidFill>
-                <a:effectLst/>
-              </a:rPr>
-              <a:t> </a:t>
-            </a:r>
-            <a:endParaRPr kumimoji="0" lang="de-DE" altLang="de-DE" sz="1800" b="0" i="0" u="none" strike="noStrike" cap="none" normalizeH="0" baseline="0">
-              <a:ln>
-                <a:noFill/>
-              </a:ln>
-              <a:solidFill>
-                <a:schemeClr val="tx1"/>
-              </a:solidFill>
-              <a:effectLst/>
-              <a:latin typeface="Arial" panose="020B0604020202020204" pitchFamily="34" charset="0"/>
-            </a:endParaRPr>
           </a:p>
         </p:txBody>
       </p:sp>
